--- a/FIDGrad.pptx
+++ b/FIDGrad.pptx
@@ -9,6 +9,7 @@
     <p:sldId id="257" r:id="rId8"/>
     <p:sldId id="258" r:id="rId9"/>
     <p:sldId id="259" r:id="rId10"/>
+    <p:sldId id="260" r:id="rId11"/>
   </p:sldIdLst>
   <p:sldSz cx="5715000" cy="5715000" type="screen4x3"/>
   <p:notesSz cx="6858000" cy="9144000"/>
@@ -3093,7 +3094,7 @@
       <p:grpSpPr/>
       <p:pic>
         <p:nvPicPr>
-          <p:cNvPr id="2" name="4910d0b8265615f82699c524ceb677263f239078a0939bbe104a0c999583cf6a.mp4">
+          <p:cNvPr id="2" name="0a114f8e62c18bdfb3703dce27349bb4747aee2cdc55399eb74c35f37832683e.mp4">
             <a:hlinkClick r:id="" action="ppaction://media"/>
           </p:cNvPr>
           <p:cNvPicPr>
@@ -3166,7 +3167,7 @@
       <p:grpSpPr/>
       <p:pic>
         <p:nvPicPr>
-          <p:cNvPr id="2" name="a8eaa4f0824fa2ef00b26cd152892aa9543c396f5e18665cd9b5b0cf662abbb1.mp4">
+          <p:cNvPr id="2" name="4910d0b8265615f82699c524ceb677263f239078a0939bbe104a0c999583cf6a.mp4">
             <a:hlinkClick r:id="" action="ppaction://media"/>
           </p:cNvPr>
           <p:cNvPicPr>
@@ -3239,7 +3240,7 @@
       <p:grpSpPr/>
       <p:pic>
         <p:nvPicPr>
-          <p:cNvPr id="2" name="c5ef4661062bafe563a72bd2995a28b09efd9e94b7550feded0eefeb06f00b4f.mp4">
+          <p:cNvPr id="2" name="a8eaa4f0824fa2ef00b26cd152892aa9543c396f5e18665cd9b5b0cf662abbb1.mp4">
             <a:hlinkClick r:id="" action="ppaction://media"/>
           </p:cNvPr>
           <p:cNvPicPr>
@@ -3301,6 +3302,79 @@
 </file>
 
 <file path=ppt/slides/slide4.xml><?xml version="1.0" encoding="utf-8"?>
+<p:sld xmlns:a="http://schemas.openxmlformats.org/drawingml/2006/main" xmlns:p="http://schemas.openxmlformats.org/presentationml/2006/main" xmlns:r="http://schemas.openxmlformats.org/officeDocument/2006/relationships">
+  <p:cSld>
+    <p:spTree>
+      <p:nvGrpSpPr>
+        <p:cNvPr id="1" name=""/>
+        <p:cNvGrpSpPr/>
+        <p:nvPr/>
+      </p:nvGrpSpPr>
+      <p:grpSpPr/>
+      <p:pic>
+        <p:nvPicPr>
+          <p:cNvPr id="2" name="c5ef4661062bafe563a72bd2995a28b09efd9e94b7550feded0eefeb06f00b4f.mp4">
+            <a:hlinkClick r:id="" action="ppaction://media"/>
+          </p:cNvPr>
+          <p:cNvPicPr>
+            <a:picLocks noChangeAspect="1"/>
+          </p:cNvPicPr>
+          <p:nvPr>
+            <a:videoFile r:link="rId3"/>
+            <p:extLst>
+              <p:ext uri="{DAA4B4D4-6D71-4841-9C94-3DE7FCFB9230}">
+                <p14:media xmlns:p14="http://schemas.microsoft.com/office/powerpoint/2010/main" r:embed="rId2"/>
+              </p:ext>
+            </p:extLst>
+          </p:nvPr>
+        </p:nvPicPr>
+        <p:blipFill>
+          <a:blip r:embed="rId4"/>
+          <a:stretch>
+            <a:fillRect/>
+          </a:stretch>
+        </p:blipFill>
+        <p:spPr>
+          <a:xfrm>
+            <a:off x="0" y="0"/>
+            <a:ext cx="5715000" cy="5715000"/>
+          </a:xfrm>
+          <a:prstGeom prst="rect">
+            <a:avLst/>
+          </a:prstGeom>
+        </p:spPr>
+      </p:pic>
+    </p:spTree>
+  </p:cSld>
+  <p:clrMapOvr>
+    <a:masterClrMapping/>
+  </p:clrMapOvr>
+  <p:timing>
+    <p:tnLst>
+      <p:par>
+        <p:cTn id="1" dur="indefinite" restart="never" nodeType="tmRoot">
+          <p:childTnLst>
+            <p:video>
+              <p:cMediaNode vol="80000">
+                <p:cTn id="2" fill="hold" display="0">
+                  <p:stCondLst>
+                    <p:cond delay="0"/>
+                  </p:stCondLst>
+                </p:cTn>
+                <p:tgtEl>
+                  <p:spTgt spid="2"/>
+                </p:tgtEl>
+              </p:cMediaNode>
+            </p:video>
+          </p:childTnLst>
+        </p:cTn>
+      </p:par>
+    </p:tnLst>
+  </p:timing>
+</p:sld>
+</file>
+
+<file path=ppt/slides/slide5.xml><?xml version="1.0" encoding="utf-8"?>
 <p:sld xmlns:a="http://schemas.openxmlformats.org/drawingml/2006/main" xmlns:p="http://schemas.openxmlformats.org/presentationml/2006/main" xmlns:r="http://schemas.openxmlformats.org/officeDocument/2006/relationships">
   <p:cSld>
     <p:spTree>
